--- a/Summarization with Yahoo - SETN/實習專案報告 Template (Revised).pptx
+++ b/Summarization with Yahoo - SETN/實習專案報告 Template (Revised).pptx
@@ -10160,7 +10160,7 @@
           <p:nvPr>
             <p:extLst>
               <p:ext uri="{D42A27DB-BD31-4B8C-83A1-F6EECF244321}">
-                <p14:modId xmlns:p14="http://schemas.microsoft.com/office/powerpoint/2010/main" val="1680074701"/>
+                <p14:modId xmlns:p14="http://schemas.microsoft.com/office/powerpoint/2010/main" val="3575827812"/>
               </p:ext>
             </p:extLst>
           </p:nvPr>
@@ -10441,7 +10441,7 @@
                           <a:latin typeface="微軟正黑體" panose="020B0604030504040204" pitchFamily="34" charset="-120"/>
                           <a:ea typeface="微軟正黑體" panose="020B0604030504040204" pitchFamily="34" charset="-120"/>
                         </a:rPr>
-                        <a:t>群后，將從每群</a:t>
+                        <a:t>群和計算中心點後，將從每群</a:t>
                       </a:r>
                       <a:r>
                         <a:rPr lang="zh-TW" altLang="en-US" sz="1400" dirty="0">
@@ -16037,7 +16037,7 @@
           <p:nvPr>
             <p:extLst>
               <p:ext uri="{D42A27DB-BD31-4B8C-83A1-F6EECF244321}">
-                <p14:modId xmlns:p14="http://schemas.microsoft.com/office/powerpoint/2010/main" val="695607779"/>
+                <p14:modId xmlns:p14="http://schemas.microsoft.com/office/powerpoint/2010/main" val="2052048753"/>
               </p:ext>
             </p:extLst>
           </p:nvPr>
@@ -16471,7 +16471,7 @@
                           <a:ea typeface="微軟正黑體" panose="020B0604030504040204" pitchFamily="34" charset="-120"/>
                           <a:cs typeface="Arial" panose="020B0604020202020204" pitchFamily="34" charset="0"/>
                         </a:rPr>
-                        <a:t>偏向篩選較長的句子因爲越長的句子會有更多字詞有</a:t>
+                        <a:t>偏向篩選較長的句子因爲越長的句子會有更多字詞的</a:t>
                       </a:r>
                       <a:r>
                         <a:rPr lang="en-US" altLang="zh-CN" sz="1700" dirty="0">
@@ -18846,7 +18846,7 @@
                 <a:latin typeface="微軟正黑體" panose="020B0604030504040204" pitchFamily="34" charset="-120"/>
                 <a:ea typeface="微軟正黑體" panose="020B0604030504040204" pitchFamily="34" charset="-120"/>
               </a:rPr>
-              <a:t>應用情景</a:t>
+              <a:t>應用情境</a:t>
             </a:r>
             <a:endParaRPr lang="zh-TW" altLang="en-US" sz="2000" b="1" dirty="0">
               <a:latin typeface="微軟正黑體" panose="020B0604030504040204" pitchFamily="34" charset="-120"/>
@@ -19107,7 +19107,7 @@
           <p:nvPr>
             <p:extLst>
               <p:ext uri="{D42A27DB-BD31-4B8C-83A1-F6EECF244321}">
-                <p14:modId xmlns:p14="http://schemas.microsoft.com/office/powerpoint/2010/main" val="785564198"/>
+                <p14:modId xmlns:p14="http://schemas.microsoft.com/office/powerpoint/2010/main" val="3324334287"/>
               </p:ext>
             </p:extLst>
           </p:nvPr>
@@ -19441,7 +19441,7 @@
                           <a:latin typeface="微軟正黑體" panose="020B0604030504040204" pitchFamily="34" charset="-120"/>
                           <a:ea typeface="微軟正黑體" panose="020B0604030504040204" pitchFamily="34" charset="-120"/>
                         </a:rPr>
-                        <a:t>文句通順度是挑戰</a:t>
+                        <a:t>文句通順度很挑戰</a:t>
                       </a:r>
                       <a:r>
                         <a:rPr lang="en-US" altLang="zh-CN" sz="1200" dirty="0">
@@ -25169,7 +25169,7 @@
           <p:nvPr>
             <p:extLst>
               <p:ext uri="{D42A27DB-BD31-4B8C-83A1-F6EECF244321}">
-                <p14:modId xmlns:p14="http://schemas.microsoft.com/office/powerpoint/2010/main" val="892257514"/>
+                <p14:modId xmlns:p14="http://schemas.microsoft.com/office/powerpoint/2010/main" val="25960204"/>
               </p:ext>
             </p:extLst>
           </p:nvPr>
@@ -25254,7 +25254,7 @@
                       </a:r>
                       <a:r>
                         <a:rPr lang="en-US" altLang="zh-CN" dirty="0"/>
-                        <a:t>a</a:t>
+                        <a:t>1</a:t>
                       </a:r>
                       <a:endParaRPr lang="en-US" dirty="0"/>
                     </a:p>
@@ -25275,7 +25275,7 @@
                       </a:r>
                       <a:r>
                         <a:rPr lang="en-US" altLang="zh-CN" dirty="0"/>
-                        <a:t>b</a:t>
+                        <a:t>2</a:t>
                       </a:r>
                       <a:endParaRPr lang="en-US" dirty="0"/>
                     </a:p>
@@ -25296,7 +25296,7 @@
                       </a:r>
                       <a:r>
                         <a:rPr lang="en-US" altLang="zh-CN" dirty="0"/>
-                        <a:t>c</a:t>
+                        <a:t>3</a:t>
                       </a:r>
                       <a:endParaRPr lang="en-US" b="0" dirty="0"/>
                     </a:p>
